--- a/assets/mainscreen.pptx
+++ b/assets/mainscreen.pptx
@@ -6,7 +6,8 @@
   </p:sldMasterIdLst>
   <p:sldIdLst>
     <p:sldId id="257" r:id="rId2"/>
-    <p:sldId id="256" r:id="rId3"/>
+    <p:sldId id="258" r:id="rId3"/>
+    <p:sldId id="256" r:id="rId4"/>
   </p:sldIdLst>
   <p:sldSz cx="7559675" cy="4751388"/>
   <p:notesSz cx="6858000" cy="9144000"/>
@@ -105,6 +106,11 @@
       </a:defRPr>
     </a:lvl9pPr>
   </p:defaultTextStyle>
+  <p:extLst>
+    <p:ext uri="{EFAFB233-063F-42B5-8137-9DF3F51BA10A}">
+      <p15:sldGuideLst xmlns:p15="http://schemas.microsoft.com/office/powerpoint/2012/main"/>
+    </p:ext>
+  </p:extLst>
 </p:presentation>
 </file>
 
@@ -3193,6 +3199,59 @@
           <a:chExt cx="0" cy="0"/>
         </a:xfrm>
       </p:grpSpPr>
+      <p:pic>
+        <p:nvPicPr>
+          <p:cNvPr id="4" name="Рисунок 3"/>
+          <p:cNvPicPr>
+            <a:picLocks noChangeAspect="1"/>
+          </p:cNvPicPr>
+          <p:nvPr/>
+        </p:nvPicPr>
+        <p:blipFill rotWithShape="1">
+          <a:blip r:embed="rId2"/>
+          <a:srcRect l="4270" r="5970"/>
+          <a:stretch/>
+        </p:blipFill>
+        <p:spPr>
+          <a:xfrm>
+            <a:off x="0" y="0"/>
+            <a:ext cx="7505616" cy="4703568"/>
+          </a:xfrm>
+          <a:prstGeom prst="rect">
+            <a:avLst/>
+          </a:prstGeom>
+        </p:spPr>
+      </p:pic>
+    </p:spTree>
+    <p:extLst>
+      <p:ext uri="{BB962C8B-B14F-4D97-AF65-F5344CB8AC3E}">
+        <p14:creationId xmlns:p14="http://schemas.microsoft.com/office/powerpoint/2010/main" val="2162275791"/>
+      </p:ext>
+    </p:extLst>
+  </p:cSld>
+  <p:clrMapOvr>
+    <a:masterClrMapping/>
+  </p:clrMapOvr>
+</p:sld>
+</file>
+
+<file path=ppt/slides/slide3.xml><?xml version="1.0" encoding="utf-8"?>
+<p:sld xmlns:a="http://schemas.openxmlformats.org/drawingml/2006/main" xmlns:r="http://schemas.openxmlformats.org/officeDocument/2006/relationships" xmlns:p="http://schemas.openxmlformats.org/presentationml/2006/main">
+  <p:cSld>
+    <p:spTree>
+      <p:nvGrpSpPr>
+        <p:cNvPr id="1" name=""/>
+        <p:cNvGrpSpPr/>
+        <p:nvPr/>
+      </p:nvGrpSpPr>
+      <p:grpSpPr>
+        <a:xfrm>
+          <a:off x="0" y="0"/>
+          <a:ext cx="0" cy="0"/>
+          <a:chOff x="0" y="0"/>
+          <a:chExt cx="0" cy="0"/>
+        </a:xfrm>
+      </p:grpSpPr>
       <p:sp>
         <p:nvSpPr>
           <p:cNvPr id="2" name="Заголовок 1"/>

--- a/assets/mainscreen.pptx
+++ b/assets/mainscreen.pptx
@@ -5,9 +5,10 @@
     <p:sldMasterId id="2147483672" r:id="rId1"/>
   </p:sldMasterIdLst>
   <p:sldIdLst>
-    <p:sldId id="257" r:id="rId2"/>
-    <p:sldId id="258" r:id="rId3"/>
-    <p:sldId id="256" r:id="rId4"/>
+    <p:sldId id="259" r:id="rId2"/>
+    <p:sldId id="257" r:id="rId3"/>
+    <p:sldId id="258" r:id="rId4"/>
+    <p:sldId id="256" r:id="rId5"/>
   </p:sldIdLst>
   <p:sldSz cx="7559675" cy="4751388"/>
   <p:notesSz cx="6858000" cy="9144000"/>
@@ -2977,6 +2978,105 @@
       </p:grpSpPr>
       <p:pic>
         <p:nvPicPr>
+          <p:cNvPr id="2" name="Рисунок 1"/>
+          <p:cNvPicPr>
+            <a:picLocks noChangeAspect="1"/>
+          </p:cNvPicPr>
+          <p:nvPr/>
+        </p:nvPicPr>
+        <p:blipFill rotWithShape="1">
+          <a:blip r:embed="rId2"/>
+          <a:srcRect l="10010" t="1395" r="10989" b="24894"/>
+          <a:stretch/>
+        </p:blipFill>
+        <p:spPr>
+          <a:xfrm>
+            <a:off x="806069" y="846669"/>
+            <a:ext cx="6620599" cy="3474718"/>
+          </a:xfrm>
+          <a:prstGeom prst="rect">
+            <a:avLst/>
+          </a:prstGeom>
+        </p:spPr>
+      </p:pic>
+      <p:pic>
+        <p:nvPicPr>
+          <p:cNvPr id="3" name="Рисунок 2"/>
+          <p:cNvPicPr>
+            <a:picLocks noChangeAspect="1"/>
+          </p:cNvPicPr>
+          <p:nvPr/>
+        </p:nvPicPr>
+        <p:blipFill rotWithShape="1">
+          <a:blip r:embed="rId3"/>
+          <a:srcRect l="257" t="14066" r="93014" b="74387"/>
+          <a:stretch/>
+        </p:blipFill>
+        <p:spPr>
+          <a:xfrm>
+            <a:off x="656971" y="55101"/>
+            <a:ext cx="833163" cy="804210"/>
+          </a:xfrm>
+          <a:prstGeom prst="rect">
+            <a:avLst/>
+          </a:prstGeom>
+        </p:spPr>
+      </p:pic>
+      <p:pic>
+        <p:nvPicPr>
+          <p:cNvPr id="5" name="Рисунок 4"/>
+          <p:cNvPicPr>
+            <a:picLocks noChangeAspect="1"/>
+          </p:cNvPicPr>
+          <p:nvPr/>
+        </p:nvPicPr>
+        <p:blipFill rotWithShape="1">
+          <a:blip r:embed="rId3"/>
+          <a:srcRect l="16121" t="14066" r="70695" b="75696"/>
+          <a:stretch/>
+        </p:blipFill>
+        <p:spPr>
+          <a:xfrm>
+            <a:off x="1415626" y="81282"/>
+            <a:ext cx="1632373" cy="713015"/>
+          </a:xfrm>
+          <a:prstGeom prst="rect">
+            <a:avLst/>
+          </a:prstGeom>
+        </p:spPr>
+      </p:pic>
+    </p:spTree>
+    <p:extLst>
+      <p:ext uri="{BB962C8B-B14F-4D97-AF65-F5344CB8AC3E}">
+        <p14:creationId xmlns:p14="http://schemas.microsoft.com/office/powerpoint/2010/main" val="2557399779"/>
+      </p:ext>
+    </p:extLst>
+  </p:cSld>
+  <p:clrMapOvr>
+    <a:masterClrMapping/>
+  </p:clrMapOvr>
+</p:sld>
+</file>
+
+<file path=ppt/slides/slide2.xml><?xml version="1.0" encoding="utf-8"?>
+<p:sld xmlns:a="http://schemas.openxmlformats.org/drawingml/2006/main" xmlns:r="http://schemas.openxmlformats.org/officeDocument/2006/relationships" xmlns:p="http://schemas.openxmlformats.org/presentationml/2006/main">
+  <p:cSld>
+    <p:spTree>
+      <p:nvGrpSpPr>
+        <p:cNvPr id="1" name=""/>
+        <p:cNvGrpSpPr/>
+        <p:nvPr/>
+      </p:nvGrpSpPr>
+      <p:grpSpPr>
+        <a:xfrm>
+          <a:off x="0" y="0"/>
+          <a:ext cx="0" cy="0"/>
+          <a:chOff x="0" y="0"/>
+          <a:chExt cx="0" cy="0"/>
+        </a:xfrm>
+      </p:grpSpPr>
+      <p:pic>
+        <p:nvPicPr>
           <p:cNvPr id="2050" name="Picture 2" descr="Editable Hydra"/>
           <p:cNvPicPr>
             <a:picLocks noChangeAspect="1" noChangeArrowheads="1"/>
@@ -3182,7 +3282,7 @@
 </p:sld>
 </file>
 
-<file path=ppt/slides/slide2.xml><?xml version="1.0" encoding="utf-8"?>
+<file path=ppt/slides/slide3.xml><?xml version="1.0" encoding="utf-8"?>
 <p:sld xmlns:a="http://schemas.openxmlformats.org/drawingml/2006/main" xmlns:r="http://schemas.openxmlformats.org/officeDocument/2006/relationships" xmlns:p="http://schemas.openxmlformats.org/presentationml/2006/main">
   <p:cSld>
     <p:spTree>
@@ -3214,8 +3314,8 @@
         </p:blipFill>
         <p:spPr>
           <a:xfrm>
-            <a:off x="0" y="0"/>
-            <a:ext cx="7505616" cy="4703568"/>
+            <a:off x="730204" y="469005"/>
+            <a:ext cx="6347814" cy="3978004"/>
           </a:xfrm>
           <a:prstGeom prst="rect">
             <a:avLst/>
@@ -3235,7 +3335,7 @@
 </p:sld>
 </file>
 
-<file path=ppt/slides/slide3.xml><?xml version="1.0" encoding="utf-8"?>
+<file path=ppt/slides/slide4.xml><?xml version="1.0" encoding="utf-8"?>
 <p:sld xmlns:a="http://schemas.openxmlformats.org/drawingml/2006/main" xmlns:r="http://schemas.openxmlformats.org/officeDocument/2006/relationships" xmlns:p="http://schemas.openxmlformats.org/presentationml/2006/main">
   <p:cSld>
     <p:spTree>

--- a/assets/mainscreen.pptx
+++ b/assets/mainscreen.pptx
@@ -3314,8 +3314,8 @@
         </p:blipFill>
         <p:spPr>
           <a:xfrm>
-            <a:off x="730204" y="469005"/>
-            <a:ext cx="6347814" cy="3978004"/>
+            <a:off x="1223586" y="536283"/>
+            <a:ext cx="5946530" cy="3726530"/>
           </a:xfrm>
           <a:prstGeom prst="rect">
             <a:avLst/>

--- a/assets/mainscreen.pptx
+++ b/assets/mainscreen.pptx
@@ -5,10 +5,11 @@
     <p:sldMasterId id="2147483672" r:id="rId1"/>
   </p:sldMasterIdLst>
   <p:sldIdLst>
-    <p:sldId id="259" r:id="rId2"/>
-    <p:sldId id="257" r:id="rId3"/>
-    <p:sldId id="258" r:id="rId4"/>
-    <p:sldId id="256" r:id="rId5"/>
+    <p:sldId id="260" r:id="rId2"/>
+    <p:sldId id="259" r:id="rId3"/>
+    <p:sldId id="257" r:id="rId4"/>
+    <p:sldId id="258" r:id="rId5"/>
+    <p:sldId id="256" r:id="rId6"/>
   </p:sldIdLst>
   <p:sldSz cx="7559675" cy="4751388"/>
   <p:notesSz cx="6858000" cy="9144000"/>
@@ -2978,6 +2979,180 @@
       </p:grpSpPr>
       <p:pic>
         <p:nvPicPr>
+          <p:cNvPr id="1026" name="Picture 2" descr="http://www.discourse.org/about/images/trust-system.png"/>
+          <p:cNvPicPr>
+            <a:picLocks noChangeAspect="1" noChangeArrowheads="1"/>
+          </p:cNvPicPr>
+          <p:nvPr/>
+        </p:nvPicPr>
+        <p:blipFill>
+          <a:blip r:embed="rId2">
+            <a:extLst>
+              <a:ext uri="{28A0092B-C50C-407E-A947-70E740481C1C}">
+                <a14:useLocalDpi xmlns:a14="http://schemas.microsoft.com/office/drawing/2010/main" val="0"/>
+              </a:ext>
+            </a:extLst>
+          </a:blip>
+          <a:srcRect/>
+          <a:stretch>
+            <a:fillRect/>
+          </a:stretch>
+        </p:blipFill>
+        <p:spPr bwMode="auto">
+          <a:xfrm>
+            <a:off x="338721" y="450336"/>
+            <a:ext cx="2739978" cy="1046822"/>
+          </a:xfrm>
+          <a:prstGeom prst="rect">
+            <a:avLst/>
+          </a:prstGeom>
+          <a:noFill/>
+          <a:effectLst>
+            <a:outerShdw blurRad="50800" dist="38100" dir="2700000" algn="tl" rotWithShape="0">
+              <a:prstClr val="black">
+                <a:alpha val="40000"/>
+              </a:prstClr>
+            </a:outerShdw>
+          </a:effectLst>
+          <a:extLst>
+            <a:ext uri="{909E8E84-426E-40DD-AFC4-6F175D3DCCD1}">
+              <a14:hiddenFill xmlns:a14="http://schemas.microsoft.com/office/drawing/2010/main">
+                <a:solidFill>
+                  <a:srgbClr val="FFFFFF"/>
+                </a:solidFill>
+              </a14:hiddenFill>
+            </a:ext>
+          </a:extLst>
+        </p:spPr>
+      </p:pic>
+      <p:pic>
+        <p:nvPicPr>
+          <p:cNvPr id="1030" name="Picture 6" descr="Картинки по запросу discourse flagging"/>
+          <p:cNvPicPr>
+            <a:picLocks noChangeAspect="1" noChangeArrowheads="1"/>
+          </p:cNvPicPr>
+          <p:nvPr/>
+        </p:nvPicPr>
+        <p:blipFill>
+          <a:blip r:embed="rId3">
+            <a:extLst>
+              <a:ext uri="{28A0092B-C50C-407E-A947-70E740481C1C}">
+                <a14:useLocalDpi xmlns:a14="http://schemas.microsoft.com/office/drawing/2010/main" val="0"/>
+              </a:ext>
+            </a:extLst>
+          </a:blip>
+          <a:srcRect/>
+          <a:stretch>
+            <a:fillRect/>
+          </a:stretch>
+        </p:blipFill>
+        <p:spPr bwMode="auto">
+          <a:xfrm>
+            <a:off x="1563984" y="1217426"/>
+            <a:ext cx="4152900" cy="1104901"/>
+          </a:xfrm>
+          <a:prstGeom prst="rect">
+            <a:avLst/>
+          </a:prstGeom>
+          <a:noFill/>
+          <a:effectLst>
+            <a:outerShdw blurRad="50800" dist="38100" dir="2700000" algn="tl" rotWithShape="0">
+              <a:prstClr val="black">
+                <a:alpha val="40000"/>
+              </a:prstClr>
+            </a:outerShdw>
+          </a:effectLst>
+          <a:extLst>
+            <a:ext uri="{909E8E84-426E-40DD-AFC4-6F175D3DCCD1}">
+              <a14:hiddenFill xmlns:a14="http://schemas.microsoft.com/office/drawing/2010/main">
+                <a:solidFill>
+                  <a:srgbClr val="FFFFFF"/>
+                </a:solidFill>
+              </a14:hiddenFill>
+            </a:ext>
+          </a:extLst>
+        </p:spPr>
+      </p:pic>
+      <p:pic>
+        <p:nvPicPr>
+          <p:cNvPr id="1028" name="Picture 4" descr="http://www.discourse.org/about/images/community-moderation.png"/>
+          <p:cNvPicPr>
+            <a:picLocks noChangeAspect="1" noChangeArrowheads="1"/>
+          </p:cNvPicPr>
+          <p:nvPr/>
+        </p:nvPicPr>
+        <p:blipFill>
+          <a:blip r:embed="rId4">
+            <a:extLst>
+              <a:ext uri="{28A0092B-C50C-407E-A947-70E740481C1C}">
+                <a14:useLocalDpi xmlns:a14="http://schemas.microsoft.com/office/drawing/2010/main" val="0"/>
+              </a:ext>
+            </a:extLst>
+          </a:blip>
+          <a:srcRect/>
+          <a:stretch>
+            <a:fillRect/>
+          </a:stretch>
+        </p:blipFill>
+        <p:spPr bwMode="auto">
+          <a:xfrm>
+            <a:off x="4059229" y="2197191"/>
+            <a:ext cx="3202956" cy="1517457"/>
+          </a:xfrm>
+          <a:prstGeom prst="rect">
+            <a:avLst/>
+          </a:prstGeom>
+          <a:noFill/>
+          <a:effectLst>
+            <a:outerShdw blurRad="50800" dist="38100" dir="2700000" algn="tl" rotWithShape="0">
+              <a:prstClr val="black">
+                <a:alpha val="40000"/>
+              </a:prstClr>
+            </a:outerShdw>
+          </a:effectLst>
+          <a:extLst>
+            <a:ext uri="{909E8E84-426E-40DD-AFC4-6F175D3DCCD1}">
+              <a14:hiddenFill xmlns:a14="http://schemas.microsoft.com/office/drawing/2010/main">
+                <a:solidFill>
+                  <a:srgbClr val="FFFFFF"/>
+                </a:solidFill>
+              </a14:hiddenFill>
+            </a:ext>
+          </a:extLst>
+        </p:spPr>
+      </p:pic>
+    </p:spTree>
+    <p:extLst>
+      <p:ext uri="{BB962C8B-B14F-4D97-AF65-F5344CB8AC3E}">
+        <p14:creationId xmlns:p14="http://schemas.microsoft.com/office/powerpoint/2010/main" val="3895050637"/>
+      </p:ext>
+    </p:extLst>
+  </p:cSld>
+  <p:clrMapOvr>
+    <a:masterClrMapping/>
+  </p:clrMapOvr>
+</p:sld>
+</file>
+
+<file path=ppt/slides/slide2.xml><?xml version="1.0" encoding="utf-8"?>
+<p:sld xmlns:a="http://schemas.openxmlformats.org/drawingml/2006/main" xmlns:r="http://schemas.openxmlformats.org/officeDocument/2006/relationships" xmlns:p="http://schemas.openxmlformats.org/presentationml/2006/main">
+  <p:cSld>
+    <p:spTree>
+      <p:nvGrpSpPr>
+        <p:cNvPr id="1" name=""/>
+        <p:cNvGrpSpPr/>
+        <p:nvPr/>
+      </p:nvGrpSpPr>
+      <p:grpSpPr>
+        <a:xfrm>
+          <a:off x="0" y="0"/>
+          <a:ext cx="0" cy="0"/>
+          <a:chOff x="0" y="0"/>
+          <a:chExt cx="0" cy="0"/>
+        </a:xfrm>
+      </p:grpSpPr>
+      <p:pic>
+        <p:nvPicPr>
           <p:cNvPr id="2" name="Рисунок 1"/>
           <p:cNvPicPr>
             <a:picLocks noChangeAspect="1"/>
@@ -3058,7 +3233,7 @@
 </p:sld>
 </file>
 
-<file path=ppt/slides/slide2.xml><?xml version="1.0" encoding="utf-8"?>
+<file path=ppt/slides/slide3.xml><?xml version="1.0" encoding="utf-8"?>
 <p:sld xmlns:a="http://schemas.openxmlformats.org/drawingml/2006/main" xmlns:r="http://schemas.openxmlformats.org/officeDocument/2006/relationships" xmlns:p="http://schemas.openxmlformats.org/presentationml/2006/main">
   <p:cSld>
     <p:spTree>
@@ -3282,7 +3457,7 @@
 </p:sld>
 </file>
 
-<file path=ppt/slides/slide3.xml><?xml version="1.0" encoding="utf-8"?>
+<file path=ppt/slides/slide4.xml><?xml version="1.0" encoding="utf-8"?>
 <p:sld xmlns:a="http://schemas.openxmlformats.org/drawingml/2006/main" xmlns:r="http://schemas.openxmlformats.org/officeDocument/2006/relationships" xmlns:p="http://schemas.openxmlformats.org/presentationml/2006/main">
   <p:cSld>
     <p:spTree>
@@ -3335,7 +3510,7 @@
 </p:sld>
 </file>
 
-<file path=ppt/slides/slide4.xml><?xml version="1.0" encoding="utf-8"?>
+<file path=ppt/slides/slide5.xml><?xml version="1.0" encoding="utf-8"?>
 <p:sld xmlns:a="http://schemas.openxmlformats.org/drawingml/2006/main" xmlns:r="http://schemas.openxmlformats.org/officeDocument/2006/relationships" xmlns:p="http://schemas.openxmlformats.org/presentationml/2006/main">
   <p:cSld>
     <p:spTree>

--- a/assets/mainscreen.pptx
+++ b/assets/mainscreen.pptx
@@ -5,11 +5,12 @@
     <p:sldMasterId id="2147483672" r:id="rId1"/>
   </p:sldMasterIdLst>
   <p:sldIdLst>
-    <p:sldId id="260" r:id="rId2"/>
-    <p:sldId id="259" r:id="rId3"/>
-    <p:sldId id="257" r:id="rId4"/>
-    <p:sldId id="258" r:id="rId5"/>
-    <p:sldId id="256" r:id="rId6"/>
+    <p:sldId id="261" r:id="rId2"/>
+    <p:sldId id="260" r:id="rId3"/>
+    <p:sldId id="259" r:id="rId4"/>
+    <p:sldId id="257" r:id="rId5"/>
+    <p:sldId id="258" r:id="rId6"/>
+    <p:sldId id="256" r:id="rId7"/>
   </p:sldIdLst>
   <p:sldSz cx="7559675" cy="4751388"/>
   <p:notesSz cx="6858000" cy="9144000"/>
@@ -2979,6 +2980,296 @@
       </p:grpSpPr>
       <p:pic>
         <p:nvPicPr>
+          <p:cNvPr id="1026" name="Picture 2" descr="d16-new-badges"/>
+          <p:cNvPicPr>
+            <a:picLocks noChangeAspect="1" noChangeArrowheads="1"/>
+          </p:cNvPicPr>
+          <p:nvPr/>
+        </p:nvPicPr>
+        <p:blipFill>
+          <a:blip r:embed="rId2">
+            <a:extLst>
+              <a:ext uri="{28A0092B-C50C-407E-A947-70E740481C1C}">
+                <a14:useLocalDpi xmlns:a14="http://schemas.microsoft.com/office/drawing/2010/main" val="0"/>
+              </a:ext>
+            </a:extLst>
+          </a:blip>
+          <a:srcRect/>
+          <a:stretch>
+            <a:fillRect/>
+          </a:stretch>
+        </p:blipFill>
+        <p:spPr bwMode="auto">
+          <a:xfrm>
+            <a:off x="171112" y="2899765"/>
+            <a:ext cx="3321390" cy="1288627"/>
+          </a:xfrm>
+          <a:prstGeom prst="rect">
+            <a:avLst/>
+          </a:prstGeom>
+          <a:effectLst>
+            <a:outerShdw blurRad="50800" dist="38100" dir="2700000" algn="tl" rotWithShape="0">
+              <a:prstClr val="black">
+                <a:alpha val="40000"/>
+              </a:prstClr>
+            </a:outerShdw>
+          </a:effectLst>
+          <a:extLst>
+            <a:ext uri="{909E8E84-426E-40DD-AFC4-6F175D3DCCD1}">
+              <a14:hiddenFill xmlns:a14="http://schemas.microsoft.com/office/drawing/2010/main">
+                <a:solidFill>
+                  <a:srgbClr val="FFFFFF"/>
+                </a:solidFill>
+              </a14:hiddenFill>
+            </a:ext>
+          </a:extLst>
+        </p:spPr>
+      </p:pic>
+      <p:pic>
+        <p:nvPicPr>
+          <p:cNvPr id="4" name="Рисунок 3"/>
+          <p:cNvPicPr>
+            <a:picLocks noChangeAspect="1"/>
+          </p:cNvPicPr>
+          <p:nvPr/>
+        </p:nvPicPr>
+        <p:blipFill rotWithShape="1">
+          <a:blip r:embed="rId3"/>
+          <a:srcRect l="-43" t="32602" b="16859"/>
+          <a:stretch/>
+        </p:blipFill>
+        <p:spPr>
+          <a:xfrm>
+            <a:off x="171112" y="131567"/>
+            <a:ext cx="7163823" cy="2035683"/>
+          </a:xfrm>
+          <a:prstGeom prst="rect">
+            <a:avLst/>
+          </a:prstGeom>
+          <a:effectLst>
+            <a:outerShdw blurRad="50800" dist="38100" dir="2700000" algn="tl" rotWithShape="0">
+              <a:prstClr val="black">
+                <a:alpha val="40000"/>
+              </a:prstClr>
+            </a:outerShdw>
+          </a:effectLst>
+        </p:spPr>
+      </p:pic>
+      <p:sp>
+        <p:nvSpPr>
+          <p:cNvPr id="5" name="Прямоугольник 4"/>
+          <p:cNvSpPr/>
+          <p:nvPr/>
+        </p:nvSpPr>
+        <p:spPr>
+          <a:xfrm>
+            <a:off x="171112" y="4262815"/>
+            <a:ext cx="3778250" cy="369332"/>
+          </a:xfrm>
+          <a:prstGeom prst="rect">
+            <a:avLst/>
+          </a:prstGeom>
+        </p:spPr>
+        <p:txBody>
+          <a:bodyPr>
+            <a:spAutoFit/>
+          </a:bodyPr>
+          <a:lstStyle/>
+          <a:p>
+            <a:r>
+              <a:rPr lang="en-US" b="1" dirty="0">
+                <a:solidFill>
+                  <a:schemeClr val="tx1">
+                    <a:lumMod val="50000"/>
+                    <a:lumOff val="50000"/>
+                  </a:schemeClr>
+                </a:solidFill>
+                <a:latin typeface="Open Sans"/>
+              </a:rPr>
+              <a:t>Badges for best members</a:t>
+            </a:r>
+            <a:endParaRPr lang="en-US" b="1" i="0" dirty="0">
+              <a:solidFill>
+                <a:schemeClr val="tx1">
+                  <a:lumMod val="50000"/>
+                  <a:lumOff val="50000"/>
+                </a:schemeClr>
+              </a:solidFill>
+              <a:effectLst/>
+              <a:latin typeface="Open Sans"/>
+            </a:endParaRPr>
+          </a:p>
+        </p:txBody>
+      </p:sp>
+      <p:sp>
+        <p:nvSpPr>
+          <p:cNvPr id="7" name="Прямоугольник 6"/>
+          <p:cNvSpPr/>
+          <p:nvPr/>
+        </p:nvSpPr>
+        <p:spPr>
+          <a:xfrm>
+            <a:off x="167149" y="2271614"/>
+            <a:ext cx="6650706" cy="369332"/>
+          </a:xfrm>
+          <a:prstGeom prst="rect">
+            <a:avLst/>
+          </a:prstGeom>
+        </p:spPr>
+        <p:txBody>
+          <a:bodyPr wrap="square">
+            <a:spAutoFit/>
+          </a:bodyPr>
+          <a:lstStyle/>
+          <a:p>
+            <a:r>
+              <a:rPr lang="en-US" b="1" dirty="0">
+                <a:solidFill>
+                  <a:schemeClr val="tx1">
+                    <a:lumMod val="50000"/>
+                    <a:lumOff val="50000"/>
+                  </a:schemeClr>
+                </a:solidFill>
+                <a:latin typeface="Open Sans"/>
+              </a:rPr>
+              <a:t>Easy to share any content, pictures, videos</a:t>
+            </a:r>
+            <a:endParaRPr lang="en-US" b="1" i="0" dirty="0">
+              <a:solidFill>
+                <a:schemeClr val="tx1">
+                  <a:lumMod val="50000"/>
+                  <a:lumOff val="50000"/>
+                </a:schemeClr>
+              </a:solidFill>
+              <a:effectLst/>
+              <a:latin typeface="Open Sans"/>
+            </a:endParaRPr>
+          </a:p>
+        </p:txBody>
+      </p:sp>
+      <p:pic>
+        <p:nvPicPr>
+          <p:cNvPr id="1028" name="Picture 4" descr="Картинки по запросу discourse invite user"/>
+          <p:cNvPicPr>
+            <a:picLocks noChangeAspect="1" noChangeArrowheads="1"/>
+          </p:cNvPicPr>
+          <p:nvPr/>
+        </p:nvPicPr>
+        <p:blipFill rotWithShape="1">
+          <a:blip r:embed="rId4">
+            <a:extLst>
+              <a:ext uri="{28A0092B-C50C-407E-A947-70E740481C1C}">
+                <a14:useLocalDpi xmlns:a14="http://schemas.microsoft.com/office/drawing/2010/main" val="0"/>
+              </a:ext>
+            </a:extLst>
+          </a:blip>
+          <a:srcRect l="1464" t="4107" r="1235" b="3720"/>
+          <a:stretch/>
+        </p:blipFill>
+        <p:spPr bwMode="auto">
+          <a:xfrm>
+            <a:off x="3826778" y="3006337"/>
+            <a:ext cx="3435032" cy="1182055"/>
+          </a:xfrm>
+          <a:prstGeom prst="rect">
+            <a:avLst/>
+          </a:prstGeom>
+          <a:effectLst>
+            <a:outerShdw blurRad="50800" dist="38100" dir="2700000" algn="tl" rotWithShape="0">
+              <a:prstClr val="black">
+                <a:alpha val="40000"/>
+              </a:prstClr>
+            </a:outerShdw>
+          </a:effectLst>
+          <a:extLst>
+            <a:ext uri="{909E8E84-426E-40DD-AFC4-6F175D3DCCD1}">
+              <a14:hiddenFill xmlns:a14="http://schemas.microsoft.com/office/drawing/2010/main">
+                <a:solidFill>
+                  <a:srgbClr val="FFFFFF"/>
+                </a:solidFill>
+              </a14:hiddenFill>
+            </a:ext>
+          </a:extLst>
+        </p:spPr>
+      </p:pic>
+      <p:sp>
+        <p:nvSpPr>
+          <p:cNvPr id="10" name="Прямоугольник 9"/>
+          <p:cNvSpPr/>
+          <p:nvPr/>
+        </p:nvSpPr>
+        <p:spPr>
+          <a:xfrm>
+            <a:off x="3826778" y="4262815"/>
+            <a:ext cx="3778250" cy="369332"/>
+          </a:xfrm>
+          <a:prstGeom prst="rect">
+            <a:avLst/>
+          </a:prstGeom>
+        </p:spPr>
+        <p:txBody>
+          <a:bodyPr>
+            <a:spAutoFit/>
+          </a:bodyPr>
+          <a:lstStyle/>
+          <a:p>
+            <a:r>
+              <a:rPr lang="en-US" b="1" dirty="0">
+                <a:solidFill>
+                  <a:schemeClr val="tx1">
+                    <a:lumMod val="50000"/>
+                    <a:lumOff val="50000"/>
+                  </a:schemeClr>
+                </a:solidFill>
+                <a:latin typeface="Open Sans"/>
+              </a:rPr>
+              <a:t>Invite new members</a:t>
+            </a:r>
+            <a:endParaRPr lang="en-US" b="1" i="0" dirty="0">
+              <a:solidFill>
+                <a:schemeClr val="tx1">
+                  <a:lumMod val="50000"/>
+                  <a:lumOff val="50000"/>
+                </a:schemeClr>
+              </a:solidFill>
+              <a:effectLst/>
+              <a:latin typeface="Open Sans"/>
+            </a:endParaRPr>
+          </a:p>
+        </p:txBody>
+      </p:sp>
+    </p:spTree>
+    <p:extLst>
+      <p:ext uri="{BB962C8B-B14F-4D97-AF65-F5344CB8AC3E}">
+        <p14:creationId xmlns:p14="http://schemas.microsoft.com/office/powerpoint/2010/main" val="1954602200"/>
+      </p:ext>
+    </p:extLst>
+  </p:cSld>
+  <p:clrMapOvr>
+    <a:masterClrMapping/>
+  </p:clrMapOvr>
+</p:sld>
+</file>
+
+<file path=ppt/slides/slide2.xml><?xml version="1.0" encoding="utf-8"?>
+<p:sld xmlns:a="http://schemas.openxmlformats.org/drawingml/2006/main" xmlns:r="http://schemas.openxmlformats.org/officeDocument/2006/relationships" xmlns:p="http://schemas.openxmlformats.org/presentationml/2006/main">
+  <p:cSld>
+    <p:spTree>
+      <p:nvGrpSpPr>
+        <p:cNvPr id="1" name=""/>
+        <p:cNvGrpSpPr/>
+        <p:nvPr/>
+      </p:nvGrpSpPr>
+      <p:grpSpPr>
+        <a:xfrm>
+          <a:off x="0" y="0"/>
+          <a:ext cx="0" cy="0"/>
+          <a:chOff x="0" y="0"/>
+          <a:chExt cx="0" cy="0"/>
+        </a:xfrm>
+      </p:grpSpPr>
+      <p:pic>
+        <p:nvPicPr>
           <p:cNvPr id="1026" name="Picture 2" descr="http://www.discourse.org/about/images/trust-system.png"/>
           <p:cNvPicPr>
             <a:picLocks noChangeAspect="1" noChangeArrowheads="1"/>
@@ -3134,7 +3425,7 @@
 </p:sld>
 </file>
 
-<file path=ppt/slides/slide2.xml><?xml version="1.0" encoding="utf-8"?>
+<file path=ppt/slides/slide3.xml><?xml version="1.0" encoding="utf-8"?>
 <p:sld xmlns:a="http://schemas.openxmlformats.org/drawingml/2006/main" xmlns:r="http://schemas.openxmlformats.org/officeDocument/2006/relationships" xmlns:p="http://schemas.openxmlformats.org/presentationml/2006/main">
   <p:cSld>
     <p:spTree>
@@ -3233,7 +3524,7 @@
 </p:sld>
 </file>
 
-<file path=ppt/slides/slide3.xml><?xml version="1.0" encoding="utf-8"?>
+<file path=ppt/slides/slide4.xml><?xml version="1.0" encoding="utf-8"?>
 <p:sld xmlns:a="http://schemas.openxmlformats.org/drawingml/2006/main" xmlns:r="http://schemas.openxmlformats.org/officeDocument/2006/relationships" xmlns:p="http://schemas.openxmlformats.org/presentationml/2006/main">
   <p:cSld>
     <p:spTree>
@@ -3457,7 +3748,7 @@
 </p:sld>
 </file>
 
-<file path=ppt/slides/slide4.xml><?xml version="1.0" encoding="utf-8"?>
+<file path=ppt/slides/slide5.xml><?xml version="1.0" encoding="utf-8"?>
 <p:sld xmlns:a="http://schemas.openxmlformats.org/drawingml/2006/main" xmlns:r="http://schemas.openxmlformats.org/officeDocument/2006/relationships" xmlns:p="http://schemas.openxmlformats.org/presentationml/2006/main">
   <p:cSld>
     <p:spTree>
@@ -3510,7 +3801,7 @@
 </p:sld>
 </file>
 
-<file path=ppt/slides/slide5.xml><?xml version="1.0" encoding="utf-8"?>
+<file path=ppt/slides/slide6.xml><?xml version="1.0" encoding="utf-8"?>
 <p:sld xmlns:a="http://schemas.openxmlformats.org/drawingml/2006/main" xmlns:r="http://schemas.openxmlformats.org/officeDocument/2006/relationships" xmlns:p="http://schemas.openxmlformats.org/presentationml/2006/main">
   <p:cSld>
     <p:spTree>

--- a/assets/mainscreen.pptx
+++ b/assets/mainscreen.pptx
@@ -11,6 +11,8 @@
     <p:sldId id="257" r:id="rId5"/>
     <p:sldId id="258" r:id="rId6"/>
     <p:sldId id="256" r:id="rId7"/>
+    <p:sldId id="262" r:id="rId8"/>
+    <p:sldId id="263" r:id="rId9"/>
   </p:sldIdLst>
   <p:sldSz cx="7559675" cy="4751388"/>
   <p:notesSz cx="6858000" cy="9144000"/>
@@ -248,7 +250,7 @@
           <a:p>
             <a:fld id="{4F08E496-6DF6-463D-8B4A-159ADA022EF7}" type="datetimeFigureOut">
               <a:rPr lang="ru-RU" smtClean="0"/>
-              <a:t>27.09.2016</a:t>
+              <a:t>29.09.2016</a:t>
             </a:fld>
             <a:endParaRPr lang="ru-RU"/>
           </a:p>
@@ -418,7 +420,7 @@
           <a:p>
             <a:fld id="{4F08E496-6DF6-463D-8B4A-159ADA022EF7}" type="datetimeFigureOut">
               <a:rPr lang="ru-RU" smtClean="0"/>
-              <a:t>27.09.2016</a:t>
+              <a:t>29.09.2016</a:t>
             </a:fld>
             <a:endParaRPr lang="ru-RU"/>
           </a:p>
@@ -598,7 +600,7 @@
           <a:p>
             <a:fld id="{4F08E496-6DF6-463D-8B4A-159ADA022EF7}" type="datetimeFigureOut">
               <a:rPr lang="ru-RU" smtClean="0"/>
-              <a:t>27.09.2016</a:t>
+              <a:t>29.09.2016</a:t>
             </a:fld>
             <a:endParaRPr lang="ru-RU"/>
           </a:p>
@@ -768,7 +770,7 @@
           <a:p>
             <a:fld id="{4F08E496-6DF6-463D-8B4A-159ADA022EF7}" type="datetimeFigureOut">
               <a:rPr lang="ru-RU" smtClean="0"/>
-              <a:t>27.09.2016</a:t>
+              <a:t>29.09.2016</a:t>
             </a:fld>
             <a:endParaRPr lang="ru-RU"/>
           </a:p>
@@ -1014,7 +1016,7 @@
           <a:p>
             <a:fld id="{4F08E496-6DF6-463D-8B4A-159ADA022EF7}" type="datetimeFigureOut">
               <a:rPr lang="ru-RU" smtClean="0"/>
-              <a:t>27.09.2016</a:t>
+              <a:t>29.09.2016</a:t>
             </a:fld>
             <a:endParaRPr lang="ru-RU"/>
           </a:p>
@@ -1246,7 +1248,7 @@
           <a:p>
             <a:fld id="{4F08E496-6DF6-463D-8B4A-159ADA022EF7}" type="datetimeFigureOut">
               <a:rPr lang="ru-RU" smtClean="0"/>
-              <a:t>27.09.2016</a:t>
+              <a:t>29.09.2016</a:t>
             </a:fld>
             <a:endParaRPr lang="ru-RU"/>
           </a:p>
@@ -1613,7 +1615,7 @@
           <a:p>
             <a:fld id="{4F08E496-6DF6-463D-8B4A-159ADA022EF7}" type="datetimeFigureOut">
               <a:rPr lang="ru-RU" smtClean="0"/>
-              <a:t>27.09.2016</a:t>
+              <a:t>29.09.2016</a:t>
             </a:fld>
             <a:endParaRPr lang="ru-RU"/>
           </a:p>
@@ -1731,7 +1733,7 @@
           <a:p>
             <a:fld id="{4F08E496-6DF6-463D-8B4A-159ADA022EF7}" type="datetimeFigureOut">
               <a:rPr lang="ru-RU" smtClean="0"/>
-              <a:t>27.09.2016</a:t>
+              <a:t>29.09.2016</a:t>
             </a:fld>
             <a:endParaRPr lang="ru-RU"/>
           </a:p>
@@ -1826,7 +1828,7 @@
           <a:p>
             <a:fld id="{4F08E496-6DF6-463D-8B4A-159ADA022EF7}" type="datetimeFigureOut">
               <a:rPr lang="ru-RU" smtClean="0"/>
-              <a:t>27.09.2016</a:t>
+              <a:t>29.09.2016</a:t>
             </a:fld>
             <a:endParaRPr lang="ru-RU"/>
           </a:p>
@@ -2103,7 +2105,7 @@
           <a:p>
             <a:fld id="{4F08E496-6DF6-463D-8B4A-159ADA022EF7}" type="datetimeFigureOut">
               <a:rPr lang="ru-RU" smtClean="0"/>
-              <a:t>27.09.2016</a:t>
+              <a:t>29.09.2016</a:t>
             </a:fld>
             <a:endParaRPr lang="ru-RU"/>
           </a:p>
@@ -2360,7 +2362,7 @@
           <a:p>
             <a:fld id="{4F08E496-6DF6-463D-8B4A-159ADA022EF7}" type="datetimeFigureOut">
               <a:rPr lang="ru-RU" smtClean="0"/>
-              <a:t>27.09.2016</a:t>
+              <a:t>29.09.2016</a:t>
             </a:fld>
             <a:endParaRPr lang="ru-RU"/>
           </a:p>
@@ -2573,7 +2575,7 @@
           <a:p>
             <a:fld id="{4F08E496-6DF6-463D-8B4A-159ADA022EF7}" type="datetimeFigureOut">
               <a:rPr lang="ru-RU" smtClean="0"/>
-              <a:t>27.09.2016</a:t>
+              <a:t>29.09.2016</a:t>
             </a:fld>
             <a:endParaRPr lang="ru-RU"/>
           </a:p>
@@ -3910,6 +3912,131 @@
 </p:sld>
 </file>
 
+<file path=ppt/slides/slide7.xml><?xml version="1.0" encoding="utf-8"?>
+<p:sld xmlns:a="http://schemas.openxmlformats.org/drawingml/2006/main" xmlns:r="http://schemas.openxmlformats.org/officeDocument/2006/relationships" xmlns:p="http://schemas.openxmlformats.org/presentationml/2006/main">
+  <p:cSld>
+    <p:spTree>
+      <p:nvGrpSpPr>
+        <p:cNvPr id="1" name=""/>
+        <p:cNvGrpSpPr/>
+        <p:nvPr/>
+      </p:nvGrpSpPr>
+      <p:grpSpPr>
+        <a:xfrm>
+          <a:off x="0" y="0"/>
+          <a:ext cx="0" cy="0"/>
+          <a:chOff x="0" y="0"/>
+          <a:chExt cx="0" cy="0"/>
+        </a:xfrm>
+      </p:grpSpPr>
+      <p:sp>
+        <p:nvSpPr>
+          <p:cNvPr id="2" name="Заголовок 1"/>
+          <p:cNvSpPr>
+            <a:spLocks noGrp="1"/>
+          </p:cNvSpPr>
+          <p:nvPr>
+            <p:ph type="title"/>
+          </p:nvPr>
+        </p:nvSpPr>
+        <p:spPr/>
+        <p:txBody>
+          <a:bodyPr/>
+          <a:lstStyle/>
+          <a:p>
+            <a:r>
+              <a:rPr lang="en-US" dirty="0"/>
+              <a:t>TV Section</a:t>
+            </a:r>
+            <a:endParaRPr lang="ru-RU" dirty="0"/>
+          </a:p>
+        </p:txBody>
+      </p:sp>
+      <p:sp>
+        <p:nvSpPr>
+          <p:cNvPr id="3" name="Объект 2"/>
+          <p:cNvSpPr>
+            <a:spLocks noGrp="1"/>
+          </p:cNvSpPr>
+          <p:nvPr>
+            <p:ph idx="1"/>
+          </p:nvPr>
+        </p:nvSpPr>
+        <p:spPr/>
+        <p:txBody>
+          <a:bodyPr/>
+          <a:lstStyle/>
+          <a:p>
+            <a:endParaRPr lang="ru-RU"/>
+          </a:p>
+        </p:txBody>
+      </p:sp>
+    </p:spTree>
+    <p:extLst>
+      <p:ext uri="{BB962C8B-B14F-4D97-AF65-F5344CB8AC3E}">
+        <p14:creationId xmlns:p14="http://schemas.microsoft.com/office/powerpoint/2010/main" val="4249925249"/>
+      </p:ext>
+    </p:extLst>
+  </p:cSld>
+  <p:clrMapOvr>
+    <a:masterClrMapping/>
+  </p:clrMapOvr>
+</p:sld>
+</file>
+
+<file path=ppt/slides/slide8.xml><?xml version="1.0" encoding="utf-8"?>
+<p:sld xmlns:a="http://schemas.openxmlformats.org/drawingml/2006/main" xmlns:r="http://schemas.openxmlformats.org/officeDocument/2006/relationships" xmlns:p="http://schemas.openxmlformats.org/presentationml/2006/main">
+  <p:cSld>
+    <p:spTree>
+      <p:nvGrpSpPr>
+        <p:cNvPr id="1" name=""/>
+        <p:cNvGrpSpPr/>
+        <p:nvPr/>
+      </p:nvGrpSpPr>
+      <p:grpSpPr>
+        <a:xfrm>
+          <a:off x="0" y="0"/>
+          <a:ext cx="0" cy="0"/>
+          <a:chOff x="0" y="0"/>
+          <a:chExt cx="0" cy="0"/>
+        </a:xfrm>
+      </p:grpSpPr>
+      <p:pic>
+        <p:nvPicPr>
+          <p:cNvPr id="5" name="Рисунок 4"/>
+          <p:cNvPicPr>
+            <a:picLocks noChangeAspect="1"/>
+          </p:cNvPicPr>
+          <p:nvPr/>
+        </p:nvPicPr>
+        <p:blipFill rotWithShape="1">
+          <a:blip r:embed="rId2"/>
+          <a:srcRect l="36941" t="19951" r="9864" b="22074"/>
+          <a:stretch/>
+        </p:blipFill>
+        <p:spPr>
+          <a:xfrm>
+            <a:off x="-190774" y="0"/>
+            <a:ext cx="7750450" cy="4751388"/>
+          </a:xfrm>
+          <a:prstGeom prst="rect">
+            <a:avLst/>
+          </a:prstGeom>
+        </p:spPr>
+      </p:pic>
+    </p:spTree>
+    <p:extLst>
+      <p:ext uri="{BB962C8B-B14F-4D97-AF65-F5344CB8AC3E}">
+        <p14:creationId xmlns:p14="http://schemas.microsoft.com/office/powerpoint/2010/main" val="1982410"/>
+      </p:ext>
+    </p:extLst>
+  </p:cSld>
+  <p:clrMapOvr>
+    <a:masterClrMapping/>
+  </p:clrMapOvr>
+</p:sld>
+</file>
+
 <file path=ppt/theme/theme1.xml><?xml version="1.0" encoding="utf-8"?>
 <a:theme xmlns:a="http://schemas.openxmlformats.org/drawingml/2006/main" name="Тема Office">
   <a:themeElements>

--- a/assets/mainscreen.pptx
+++ b/assets/mainscreen.pptx
@@ -12,7 +12,8 @@
     <p:sldId id="258" r:id="rId6"/>
     <p:sldId id="256" r:id="rId7"/>
     <p:sldId id="262" r:id="rId8"/>
-    <p:sldId id="263" r:id="rId9"/>
+    <p:sldId id="264" r:id="rId9"/>
+    <p:sldId id="263" r:id="rId10"/>
   </p:sldIdLst>
   <p:sldSz cx="7559675" cy="4751388"/>
   <p:notesSz cx="6858000" cy="9144000"/>
@@ -4001,6 +4002,36 @@
           <a:chExt cx="0" cy="0"/>
         </a:xfrm>
       </p:grpSpPr>
+    </p:spTree>
+    <p:extLst>
+      <p:ext uri="{BB962C8B-B14F-4D97-AF65-F5344CB8AC3E}">
+        <p14:creationId xmlns:p14="http://schemas.microsoft.com/office/powerpoint/2010/main" val="1774997303"/>
+      </p:ext>
+    </p:extLst>
+  </p:cSld>
+  <p:clrMapOvr>
+    <a:masterClrMapping/>
+  </p:clrMapOvr>
+</p:sld>
+</file>
+
+<file path=ppt/slides/slide9.xml><?xml version="1.0" encoding="utf-8"?>
+<p:sld xmlns:a="http://schemas.openxmlformats.org/drawingml/2006/main" xmlns:r="http://schemas.openxmlformats.org/officeDocument/2006/relationships" xmlns:p="http://schemas.openxmlformats.org/presentationml/2006/main">
+  <p:cSld>
+    <p:spTree>
+      <p:nvGrpSpPr>
+        <p:cNvPr id="1" name=""/>
+        <p:cNvGrpSpPr/>
+        <p:nvPr/>
+      </p:nvGrpSpPr>
+      <p:grpSpPr>
+        <a:xfrm>
+          <a:off x="0" y="0"/>
+          <a:ext cx="0" cy="0"/>
+          <a:chOff x="0" y="0"/>
+          <a:chExt cx="0" cy="0"/>
+        </a:xfrm>
+      </p:grpSpPr>
       <p:pic>
         <p:nvPicPr>
           <p:cNvPr id="5" name="Рисунок 4"/>

--- a/assets/mainscreen.pptx
+++ b/assets/mainscreen.pptx
@@ -13,7 +13,8 @@
     <p:sldId id="256" r:id="rId7"/>
     <p:sldId id="262" r:id="rId8"/>
     <p:sldId id="264" r:id="rId9"/>
-    <p:sldId id="263" r:id="rId10"/>
+    <p:sldId id="265" r:id="rId10"/>
+    <p:sldId id="263" r:id="rId11"/>
   </p:sldIdLst>
   <p:sldSz cx="7559675" cy="4751388"/>
   <p:notesSz cx="6858000" cy="9144000"/>
@@ -253,7 +254,7 @@
               <a:rPr lang="ru-RU" smtClean="0"/>
               <a:t>29.09.2016</a:t>
             </a:fld>
-            <a:endParaRPr lang="ru-RU"/>
+            <a:endParaRPr lang="ru-RU" dirty="0"/>
           </a:p>
         </p:txBody>
       </p:sp>
@@ -272,7 +273,7 @@
           <a:bodyPr/>
           <a:lstStyle/>
           <a:p>
-            <a:endParaRPr lang="ru-RU"/>
+            <a:endParaRPr lang="ru-RU" dirty="0"/>
           </a:p>
         </p:txBody>
       </p:sp>
@@ -295,7 +296,7 @@
               <a:rPr lang="ru-RU" smtClean="0"/>
               <a:t>‹#›</a:t>
             </a:fld>
-            <a:endParaRPr lang="ru-RU"/>
+            <a:endParaRPr lang="ru-RU" dirty="0"/>
           </a:p>
         </p:txBody>
       </p:sp>
@@ -423,7 +424,7 @@
               <a:rPr lang="ru-RU" smtClean="0"/>
               <a:t>29.09.2016</a:t>
             </a:fld>
-            <a:endParaRPr lang="ru-RU"/>
+            <a:endParaRPr lang="ru-RU" dirty="0"/>
           </a:p>
         </p:txBody>
       </p:sp>
@@ -442,7 +443,7 @@
           <a:bodyPr/>
           <a:lstStyle/>
           <a:p>
-            <a:endParaRPr lang="ru-RU"/>
+            <a:endParaRPr lang="ru-RU" dirty="0"/>
           </a:p>
         </p:txBody>
       </p:sp>
@@ -465,7 +466,7 @@
               <a:rPr lang="ru-RU" smtClean="0"/>
               <a:t>‹#›</a:t>
             </a:fld>
-            <a:endParaRPr lang="ru-RU"/>
+            <a:endParaRPr lang="ru-RU" dirty="0"/>
           </a:p>
         </p:txBody>
       </p:sp>
@@ -603,7 +604,7 @@
               <a:rPr lang="ru-RU" smtClean="0"/>
               <a:t>29.09.2016</a:t>
             </a:fld>
-            <a:endParaRPr lang="ru-RU"/>
+            <a:endParaRPr lang="ru-RU" dirty="0"/>
           </a:p>
         </p:txBody>
       </p:sp>
@@ -622,7 +623,7 @@
           <a:bodyPr/>
           <a:lstStyle/>
           <a:p>
-            <a:endParaRPr lang="ru-RU"/>
+            <a:endParaRPr lang="ru-RU" dirty="0"/>
           </a:p>
         </p:txBody>
       </p:sp>
@@ -645,7 +646,7 @@
               <a:rPr lang="ru-RU" smtClean="0"/>
               <a:t>‹#›</a:t>
             </a:fld>
-            <a:endParaRPr lang="ru-RU"/>
+            <a:endParaRPr lang="ru-RU" dirty="0"/>
           </a:p>
         </p:txBody>
       </p:sp>
@@ -773,7 +774,7 @@
               <a:rPr lang="ru-RU" smtClean="0"/>
               <a:t>29.09.2016</a:t>
             </a:fld>
-            <a:endParaRPr lang="ru-RU"/>
+            <a:endParaRPr lang="ru-RU" dirty="0"/>
           </a:p>
         </p:txBody>
       </p:sp>
@@ -792,7 +793,7 @@
           <a:bodyPr/>
           <a:lstStyle/>
           <a:p>
-            <a:endParaRPr lang="ru-RU"/>
+            <a:endParaRPr lang="ru-RU" dirty="0"/>
           </a:p>
         </p:txBody>
       </p:sp>
@@ -815,7 +816,7 @@
               <a:rPr lang="ru-RU" smtClean="0"/>
               <a:t>‹#›</a:t>
             </a:fld>
-            <a:endParaRPr lang="ru-RU"/>
+            <a:endParaRPr lang="ru-RU" dirty="0"/>
           </a:p>
         </p:txBody>
       </p:sp>
@@ -1019,7 +1020,7 @@
               <a:rPr lang="ru-RU" smtClean="0"/>
               <a:t>29.09.2016</a:t>
             </a:fld>
-            <a:endParaRPr lang="ru-RU"/>
+            <a:endParaRPr lang="ru-RU" dirty="0"/>
           </a:p>
         </p:txBody>
       </p:sp>
@@ -1038,7 +1039,7 @@
           <a:bodyPr/>
           <a:lstStyle/>
           <a:p>
-            <a:endParaRPr lang="ru-RU"/>
+            <a:endParaRPr lang="ru-RU" dirty="0"/>
           </a:p>
         </p:txBody>
       </p:sp>
@@ -1061,7 +1062,7 @@
               <a:rPr lang="ru-RU" smtClean="0"/>
               <a:t>‹#›</a:t>
             </a:fld>
-            <a:endParaRPr lang="ru-RU"/>
+            <a:endParaRPr lang="ru-RU" dirty="0"/>
           </a:p>
         </p:txBody>
       </p:sp>
@@ -1251,7 +1252,7 @@
               <a:rPr lang="ru-RU" smtClean="0"/>
               <a:t>29.09.2016</a:t>
             </a:fld>
-            <a:endParaRPr lang="ru-RU"/>
+            <a:endParaRPr lang="ru-RU" dirty="0"/>
           </a:p>
         </p:txBody>
       </p:sp>
@@ -1270,7 +1271,7 @@
           <a:bodyPr/>
           <a:lstStyle/>
           <a:p>
-            <a:endParaRPr lang="ru-RU"/>
+            <a:endParaRPr lang="ru-RU" dirty="0"/>
           </a:p>
         </p:txBody>
       </p:sp>
@@ -1293,7 +1294,7 @@
               <a:rPr lang="ru-RU" smtClean="0"/>
               <a:t>‹#›</a:t>
             </a:fld>
-            <a:endParaRPr lang="ru-RU"/>
+            <a:endParaRPr lang="ru-RU" dirty="0"/>
           </a:p>
         </p:txBody>
       </p:sp>
@@ -1618,7 +1619,7 @@
               <a:rPr lang="ru-RU" smtClean="0"/>
               <a:t>29.09.2016</a:t>
             </a:fld>
-            <a:endParaRPr lang="ru-RU"/>
+            <a:endParaRPr lang="ru-RU" dirty="0"/>
           </a:p>
         </p:txBody>
       </p:sp>
@@ -1637,7 +1638,7 @@
           <a:bodyPr/>
           <a:lstStyle/>
           <a:p>
-            <a:endParaRPr lang="ru-RU"/>
+            <a:endParaRPr lang="ru-RU" dirty="0"/>
           </a:p>
         </p:txBody>
       </p:sp>
@@ -1660,7 +1661,7 @@
               <a:rPr lang="ru-RU" smtClean="0"/>
               <a:t>‹#›</a:t>
             </a:fld>
-            <a:endParaRPr lang="ru-RU"/>
+            <a:endParaRPr lang="ru-RU" dirty="0"/>
           </a:p>
         </p:txBody>
       </p:sp>
@@ -1736,7 +1737,7 @@
               <a:rPr lang="ru-RU" smtClean="0"/>
               <a:t>29.09.2016</a:t>
             </a:fld>
-            <a:endParaRPr lang="ru-RU"/>
+            <a:endParaRPr lang="ru-RU" dirty="0"/>
           </a:p>
         </p:txBody>
       </p:sp>
@@ -1755,7 +1756,7 @@
           <a:bodyPr/>
           <a:lstStyle/>
           <a:p>
-            <a:endParaRPr lang="ru-RU"/>
+            <a:endParaRPr lang="ru-RU" dirty="0"/>
           </a:p>
         </p:txBody>
       </p:sp>
@@ -1778,7 +1779,7 @@
               <a:rPr lang="ru-RU" smtClean="0"/>
               <a:t>‹#›</a:t>
             </a:fld>
-            <a:endParaRPr lang="ru-RU"/>
+            <a:endParaRPr lang="ru-RU" dirty="0"/>
           </a:p>
         </p:txBody>
       </p:sp>
@@ -1831,7 +1832,7 @@
               <a:rPr lang="ru-RU" smtClean="0"/>
               <a:t>29.09.2016</a:t>
             </a:fld>
-            <a:endParaRPr lang="ru-RU"/>
+            <a:endParaRPr lang="ru-RU" dirty="0"/>
           </a:p>
         </p:txBody>
       </p:sp>
@@ -1850,7 +1851,7 @@
           <a:bodyPr/>
           <a:lstStyle/>
           <a:p>
-            <a:endParaRPr lang="ru-RU"/>
+            <a:endParaRPr lang="ru-RU" dirty="0"/>
           </a:p>
         </p:txBody>
       </p:sp>
@@ -1873,7 +1874,7 @@
               <a:rPr lang="ru-RU" smtClean="0"/>
               <a:t>‹#›</a:t>
             </a:fld>
-            <a:endParaRPr lang="ru-RU"/>
+            <a:endParaRPr lang="ru-RU" dirty="0"/>
           </a:p>
         </p:txBody>
       </p:sp>
@@ -2108,7 +2109,7 @@
               <a:rPr lang="ru-RU" smtClean="0"/>
               <a:t>29.09.2016</a:t>
             </a:fld>
-            <a:endParaRPr lang="ru-RU"/>
+            <a:endParaRPr lang="ru-RU" dirty="0"/>
           </a:p>
         </p:txBody>
       </p:sp>
@@ -2127,7 +2128,7 @@
           <a:bodyPr/>
           <a:lstStyle/>
           <a:p>
-            <a:endParaRPr lang="ru-RU"/>
+            <a:endParaRPr lang="ru-RU" dirty="0"/>
           </a:p>
         </p:txBody>
       </p:sp>
@@ -2150,7 +2151,7 @@
               <a:rPr lang="ru-RU" smtClean="0"/>
               <a:t>‹#›</a:t>
             </a:fld>
-            <a:endParaRPr lang="ru-RU"/>
+            <a:endParaRPr lang="ru-RU" dirty="0"/>
           </a:p>
         </p:txBody>
       </p:sp>
@@ -2274,7 +2275,7 @@
           </a:lstStyle>
           <a:p>
             <a:r>
-              <a:rPr lang="ru-RU"/>
+              <a:rPr lang="ru-RU" dirty="0"/>
               <a:t>Вставка рисунка</a:t>
             </a:r>
             <a:endParaRPr lang="en-US" dirty="0"/>
@@ -2365,7 +2366,7 @@
               <a:rPr lang="ru-RU" smtClean="0"/>
               <a:t>29.09.2016</a:t>
             </a:fld>
-            <a:endParaRPr lang="ru-RU"/>
+            <a:endParaRPr lang="ru-RU" dirty="0"/>
           </a:p>
         </p:txBody>
       </p:sp>
@@ -2384,7 +2385,7 @@
           <a:bodyPr/>
           <a:lstStyle/>
           <a:p>
-            <a:endParaRPr lang="ru-RU"/>
+            <a:endParaRPr lang="ru-RU" dirty="0"/>
           </a:p>
         </p:txBody>
       </p:sp>
@@ -2407,7 +2408,7 @@
               <a:rPr lang="ru-RU" smtClean="0"/>
               <a:t>‹#›</a:t>
             </a:fld>
-            <a:endParaRPr lang="ru-RU"/>
+            <a:endParaRPr lang="ru-RU" dirty="0"/>
           </a:p>
         </p:txBody>
       </p:sp>
@@ -2578,7 +2579,7 @@
               <a:rPr lang="ru-RU" smtClean="0"/>
               <a:t>29.09.2016</a:t>
             </a:fld>
-            <a:endParaRPr lang="ru-RU"/>
+            <a:endParaRPr lang="ru-RU" dirty="0"/>
           </a:p>
         </p:txBody>
       </p:sp>
@@ -2615,7 +2616,7 @@
             </a:lvl1pPr>
           </a:lstStyle>
           <a:p>
-            <a:endParaRPr lang="ru-RU"/>
+            <a:endParaRPr lang="ru-RU" dirty="0"/>
           </a:p>
         </p:txBody>
       </p:sp>
@@ -2656,7 +2657,7 @@
               <a:rPr lang="ru-RU" smtClean="0"/>
               <a:t>‹#›</a:t>
             </a:fld>
-            <a:endParaRPr lang="ru-RU"/>
+            <a:endParaRPr lang="ru-RU" dirty="0"/>
           </a:p>
         </p:txBody>
       </p:sp>
@@ -3254,6 +3255,59 @@
 </p:sld>
 </file>
 
+<file path=ppt/slides/slide10.xml><?xml version="1.0" encoding="utf-8"?>
+<p:sld xmlns:a="http://schemas.openxmlformats.org/drawingml/2006/main" xmlns:r="http://schemas.openxmlformats.org/officeDocument/2006/relationships" xmlns:p="http://schemas.openxmlformats.org/presentationml/2006/main">
+  <p:cSld>
+    <p:spTree>
+      <p:nvGrpSpPr>
+        <p:cNvPr id="1" name=""/>
+        <p:cNvGrpSpPr/>
+        <p:nvPr/>
+      </p:nvGrpSpPr>
+      <p:grpSpPr>
+        <a:xfrm>
+          <a:off x="0" y="0"/>
+          <a:ext cx="0" cy="0"/>
+          <a:chOff x="0" y="0"/>
+          <a:chExt cx="0" cy="0"/>
+        </a:xfrm>
+      </p:grpSpPr>
+      <p:pic>
+        <p:nvPicPr>
+          <p:cNvPr id="5" name="Рисунок 4"/>
+          <p:cNvPicPr>
+            <a:picLocks noChangeAspect="1"/>
+          </p:cNvPicPr>
+          <p:nvPr/>
+        </p:nvPicPr>
+        <p:blipFill rotWithShape="1">
+          <a:blip r:embed="rId2"/>
+          <a:srcRect l="36941" t="19951" r="9864" b="22074"/>
+          <a:stretch/>
+        </p:blipFill>
+        <p:spPr>
+          <a:xfrm>
+            <a:off x="-190774" y="0"/>
+            <a:ext cx="7750450" cy="4751388"/>
+          </a:xfrm>
+          <a:prstGeom prst="rect">
+            <a:avLst/>
+          </a:prstGeom>
+        </p:spPr>
+      </p:pic>
+    </p:spTree>
+    <p:extLst>
+      <p:ext uri="{BB962C8B-B14F-4D97-AF65-F5344CB8AC3E}">
+        <p14:creationId xmlns:p14="http://schemas.microsoft.com/office/powerpoint/2010/main" val="1982410"/>
+      </p:ext>
+    </p:extLst>
+  </p:cSld>
+  <p:clrMapOvr>
+    <a:masterClrMapping/>
+  </p:clrMapOvr>
+</p:sld>
+</file>
+
 <file path=ppt/slides/slide2.xml><?xml version="1.0" encoding="utf-8"?>
 <p:sld xmlns:a="http://schemas.openxmlformats.org/drawingml/2006/main" xmlns:r="http://schemas.openxmlformats.org/officeDocument/2006/relationships" xmlns:p="http://schemas.openxmlformats.org/presentationml/2006/main">
   <p:cSld>
@@ -3688,7 +3742,7 @@
           <a:lstStyle/>
           <a:p>
             <a:pPr algn="ctr"/>
-            <a:endParaRPr lang="ru-RU"/>
+            <a:endParaRPr lang="ru-RU" dirty="0"/>
           </a:p>
         </p:txBody>
       </p:sp>
@@ -3836,7 +3890,7 @@
           <a:bodyPr/>
           <a:lstStyle/>
           <a:p>
-            <a:endParaRPr lang="ru-RU"/>
+            <a:endParaRPr lang="ru-RU" dirty="0"/>
           </a:p>
         </p:txBody>
       </p:sp>
@@ -3855,7 +3909,7 @@
           <a:bodyPr/>
           <a:lstStyle/>
           <a:p>
-            <a:endParaRPr lang="ru-RU"/>
+            <a:endParaRPr lang="ru-RU" dirty="0"/>
           </a:p>
         </p:txBody>
       </p:sp>
@@ -3968,7 +4022,7 @@
           <a:bodyPr/>
           <a:lstStyle/>
           <a:p>
-            <a:endParaRPr lang="ru-RU"/>
+            <a:endParaRPr lang="ru-RU" dirty="0"/>
           </a:p>
         </p:txBody>
       </p:sp>
@@ -4002,6 +4056,70 @@
           <a:chExt cx="0" cy="0"/>
         </a:xfrm>
       </p:grpSpPr>
+      <p:pic>
+        <p:nvPicPr>
+          <p:cNvPr id="2" name="Рисунок 1"/>
+          <p:cNvPicPr>
+            <a:picLocks noChangeAspect="1"/>
+          </p:cNvPicPr>
+          <p:nvPr/>
+        </p:nvPicPr>
+        <p:blipFill rotWithShape="1">
+          <a:blip r:embed="rId2"/>
+          <a:srcRect l="9748" t="24174" r="62022" b="45002"/>
+          <a:stretch/>
+        </p:blipFill>
+        <p:spPr>
+          <a:xfrm>
+            <a:off x="0" y="0"/>
+            <a:ext cx="7735873" cy="4751388"/>
+          </a:xfrm>
+          <a:prstGeom prst="rect">
+            <a:avLst/>
+          </a:prstGeom>
+        </p:spPr>
+      </p:pic>
+      <p:sp>
+        <p:nvSpPr>
+          <p:cNvPr id="3" name="Прямоугольник 2"/>
+          <p:cNvSpPr/>
+          <p:nvPr/>
+        </p:nvSpPr>
+        <p:spPr>
+          <a:xfrm>
+            <a:off x="1342862" y="2190234"/>
+            <a:ext cx="4873962" cy="369332"/>
+          </a:xfrm>
+          <a:prstGeom prst="rect">
+            <a:avLst/>
+          </a:prstGeom>
+        </p:spPr>
+        <p:txBody>
+          <a:bodyPr wrap="none">
+            <a:spAutoFit/>
+          </a:bodyPr>
+          <a:lstStyle/>
+          <a:p>
+            <a:pPr algn="ctr"/>
+            <a:r>
+              <a:rPr lang="en-US" b="1" dirty="0">
+                <a:solidFill>
+                  <a:srgbClr val="FFFFFF"/>
+                </a:solidFill>
+                <a:latin typeface="Open Sans"/>
+              </a:rPr>
+              <a:t>YochTV provides natural video integration </a:t>
+            </a:r>
+            <a:endParaRPr lang="en-US" b="1" i="0" dirty="0">
+              <a:solidFill>
+                <a:srgbClr val="FFFFFF"/>
+              </a:solidFill>
+              <a:effectLst/>
+              <a:latin typeface="Open Sans"/>
+            </a:endParaRPr>
+          </a:p>
+        </p:txBody>
+      </p:sp>
     </p:spTree>
     <p:extLst>
       <p:ext uri="{BB962C8B-B14F-4D97-AF65-F5344CB8AC3E}">
@@ -4012,6 +4130,92 @@
   <p:clrMapOvr>
     <a:masterClrMapping/>
   </p:clrMapOvr>
+  <p:timing>
+    <p:tnLst>
+      <p:par>
+        <p:cTn id="1" dur="indefinite" restart="never" nodeType="tmRoot">
+          <p:childTnLst>
+            <p:seq concurrent="1" nextAc="seek">
+              <p:cTn id="2" dur="indefinite" nodeType="mainSeq">
+                <p:childTnLst>
+                  <p:par>
+                    <p:cTn id="3" fill="hold">
+                      <p:stCondLst>
+                        <p:cond delay="indefinite"/>
+                      </p:stCondLst>
+                      <p:childTnLst>
+                        <p:par>
+                          <p:cTn id="4" fill="hold">
+                            <p:stCondLst>
+                              <p:cond delay="0"/>
+                            </p:stCondLst>
+                            <p:childTnLst>
+                              <p:par>
+                                <p:cTn id="5" presetID="22" presetClass="entr" presetSubtype="4" fill="hold" grpId="0" nodeType="clickEffect">
+                                  <p:stCondLst>
+                                    <p:cond delay="0"/>
+                                  </p:stCondLst>
+                                  <p:childTnLst>
+                                    <p:set>
+                                      <p:cBhvr>
+                                        <p:cTn id="6" dur="1" fill="hold">
+                                          <p:stCondLst>
+                                            <p:cond delay="0"/>
+                                          </p:stCondLst>
+                                        </p:cTn>
+                                        <p:tgtEl>
+                                          <p:spTgt spid="3"/>
+                                        </p:tgtEl>
+                                        <p:attrNameLst>
+                                          <p:attrName>style.visibility</p:attrName>
+                                        </p:attrNameLst>
+                                      </p:cBhvr>
+                                      <p:to>
+                                        <p:strVal val="visible"/>
+                                      </p:to>
+                                    </p:set>
+                                    <p:animEffect transition="in" filter="wipe(down)">
+                                      <p:cBhvr>
+                                        <p:cTn id="7" dur="800"/>
+                                        <p:tgtEl>
+                                          <p:spTgt spid="3"/>
+                                        </p:tgtEl>
+                                      </p:cBhvr>
+                                    </p:animEffect>
+                                  </p:childTnLst>
+                                </p:cTn>
+                              </p:par>
+                            </p:childTnLst>
+                          </p:cTn>
+                        </p:par>
+                      </p:childTnLst>
+                    </p:cTn>
+                  </p:par>
+                </p:childTnLst>
+              </p:cTn>
+              <p:prevCondLst>
+                <p:cond evt="onPrev" delay="0">
+                  <p:tgtEl>
+                    <p:sldTgt/>
+                  </p:tgtEl>
+                </p:cond>
+              </p:prevCondLst>
+              <p:nextCondLst>
+                <p:cond evt="onNext" delay="0">
+                  <p:tgtEl>
+                    <p:sldTgt/>
+                  </p:tgtEl>
+                </p:cond>
+              </p:nextCondLst>
+            </p:seq>
+          </p:childTnLst>
+        </p:cTn>
+      </p:par>
+    </p:tnLst>
+    <p:bldLst>
+      <p:bldP spid="3" grpId="0"/>
+    </p:bldLst>
+  </p:timing>
 </p:sld>
 </file>
 
@@ -4034,7 +4238,7 @@
       </p:grpSpPr>
       <p:pic>
         <p:nvPicPr>
-          <p:cNvPr id="5" name="Рисунок 4"/>
+          <p:cNvPr id="2" name="Рисунок 1"/>
           <p:cNvPicPr>
             <a:picLocks noChangeAspect="1"/>
           </p:cNvPicPr>
@@ -4042,23 +4246,63 @@
         </p:nvPicPr>
         <p:blipFill rotWithShape="1">
           <a:blip r:embed="rId2"/>
-          <a:srcRect l="36941" t="19951" r="9864" b="22074"/>
+          <a:srcRect l="9748" t="24174" r="62022" b="45002"/>
           <a:stretch/>
         </p:blipFill>
         <p:spPr>
           <a:xfrm>
-            <a:off x="-190774" y="0"/>
-            <a:ext cx="7750450" cy="4751388"/>
+            <a:off x="0" y="0"/>
+            <a:ext cx="7735873" cy="4751388"/>
           </a:xfrm>
           <a:prstGeom prst="rect">
             <a:avLst/>
           </a:prstGeom>
         </p:spPr>
       </p:pic>
+      <p:sp>
+        <p:nvSpPr>
+          <p:cNvPr id="4" name="Равнобедренный треугольник 3"/>
+          <p:cNvSpPr/>
+          <p:nvPr/>
+        </p:nvSpPr>
+        <p:spPr>
+          <a:xfrm rot="5400000">
+            <a:off x="3114707" y="2168474"/>
+            <a:ext cx="1506457" cy="414440"/>
+          </a:xfrm>
+          <a:prstGeom prst="triangle">
+            <a:avLst/>
+          </a:prstGeom>
+        </p:spPr>
+        <p:style>
+          <a:lnRef idx="2">
+            <a:schemeClr val="accent1">
+              <a:shade val="50000"/>
+            </a:schemeClr>
+          </a:lnRef>
+          <a:fillRef idx="1">
+            <a:schemeClr val="accent1"/>
+          </a:fillRef>
+          <a:effectRef idx="0">
+            <a:schemeClr val="accent1"/>
+          </a:effectRef>
+          <a:fontRef idx="minor">
+            <a:schemeClr val="lt1"/>
+          </a:fontRef>
+        </p:style>
+        <p:txBody>
+          <a:bodyPr rtlCol="0" anchor="ctr"/>
+          <a:lstStyle/>
+          <a:p>
+            <a:pPr algn="ctr"/>
+            <a:endParaRPr lang="ru-RU"/>
+          </a:p>
+        </p:txBody>
+      </p:sp>
     </p:spTree>
     <p:extLst>
       <p:ext uri="{BB962C8B-B14F-4D97-AF65-F5344CB8AC3E}">
-        <p14:creationId xmlns:p14="http://schemas.microsoft.com/office/powerpoint/2010/main" val="1982410"/>
+        <p14:creationId xmlns:p14="http://schemas.microsoft.com/office/powerpoint/2010/main" val="2672929340"/>
       </p:ext>
     </p:extLst>
   </p:cSld>

--- a/assets/mainscreen.pptx
+++ b/assets/mainscreen.pptx
@@ -4087,8 +4087,8 @@
         </p:nvSpPr>
         <p:spPr>
           <a:xfrm>
-            <a:off x="1342862" y="2190234"/>
-            <a:ext cx="4873962" cy="369332"/>
+            <a:off x="2245121" y="1800785"/>
+            <a:ext cx="2990498" cy="1015663"/>
           </a:xfrm>
           <a:prstGeom prst="rect">
             <a:avLst/>
@@ -4102,15 +4102,68 @@
           <a:p>
             <a:pPr algn="ctr"/>
             <a:r>
-              <a:rPr lang="en-US" b="1" dirty="0">
+              <a:rPr lang="en-US" sz="6000" b="1" dirty="0">
                 <a:solidFill>
                   <a:srgbClr val="FFFFFF"/>
                 </a:solidFill>
                 <a:latin typeface="Open Sans"/>
               </a:rPr>
-              <a:t>YochTV provides natural video integration </a:t>
-            </a:r>
-            <a:endParaRPr lang="en-US" b="1" i="0" dirty="0">
+              <a:t>YochTV</a:t>
+            </a:r>
+            <a:endParaRPr lang="en-US" sz="6000" b="1" i="0" dirty="0">
+              <a:solidFill>
+                <a:srgbClr val="FFFFFF"/>
+              </a:solidFill>
+              <a:effectLst/>
+              <a:latin typeface="Open Sans"/>
+            </a:endParaRPr>
+          </a:p>
+        </p:txBody>
+      </p:sp>
+      <p:sp>
+        <p:nvSpPr>
+          <p:cNvPr id="4" name="Прямоугольник 3"/>
+          <p:cNvSpPr/>
+          <p:nvPr/>
+        </p:nvSpPr>
+        <p:spPr>
+          <a:xfrm>
+            <a:off x="1701190" y="2029385"/>
+            <a:ext cx="4078360" cy="1077218"/>
+          </a:xfrm>
+          <a:prstGeom prst="rect">
+            <a:avLst/>
+          </a:prstGeom>
+        </p:spPr>
+        <p:txBody>
+          <a:bodyPr wrap="none">
+            <a:spAutoFit/>
+          </a:bodyPr>
+          <a:lstStyle/>
+          <a:p>
+            <a:pPr algn="ctr"/>
+            <a:r>
+              <a:rPr lang="en-US" sz="3200" b="1" dirty="0">
+                <a:solidFill>
+                  <a:srgbClr val="FFFFFF"/>
+                </a:solidFill>
+                <a:latin typeface="Open Sans"/>
+              </a:rPr>
+              <a:t>Your free</a:t>
+            </a:r>
+          </a:p>
+          <a:p>
+            <a:pPr algn="ctr"/>
+            <a:r>
+              <a:rPr lang="en-US" sz="3200" b="1" dirty="0">
+                <a:solidFill>
+                  <a:srgbClr val="FFFFFF"/>
+                </a:solidFill>
+                <a:latin typeface="Open Sans"/>
+              </a:rPr>
+              <a:t> community builder </a:t>
+            </a:r>
+            <a:endParaRPr lang="en-US" sz="3200" b="1" i="0" dirty="0">
               <a:solidFill>
                 <a:srgbClr val="FFFFFF"/>
               </a:solidFill>
@@ -4151,16 +4204,24 @@
                             </p:stCondLst>
                             <p:childTnLst>
                               <p:par>
-                                <p:cTn id="5" presetID="22" presetClass="entr" presetSubtype="4" fill="hold" grpId="0" nodeType="clickEffect">
+                                <p:cTn id="5" presetID="10" presetClass="exit" presetSubtype="0" fill="hold" grpId="0" nodeType="clickEffect">
                                   <p:stCondLst>
                                     <p:cond delay="0"/>
                                   </p:stCondLst>
                                   <p:childTnLst>
+                                    <p:animEffect transition="out" filter="fade">
+                                      <p:cBhvr>
+                                        <p:cTn id="6" dur="500"/>
+                                        <p:tgtEl>
+                                          <p:spTgt spid="3"/>
+                                        </p:tgtEl>
+                                      </p:cBhvr>
+                                    </p:animEffect>
                                     <p:set>
                                       <p:cBhvr>
-                                        <p:cTn id="6" dur="1" fill="hold">
+                                        <p:cTn id="7" dur="1" fill="hold">
                                           <p:stCondLst>
-                                            <p:cond delay="0"/>
+                                            <p:cond delay="499"/>
                                           </p:stCondLst>
                                         </p:cTn>
                                         <p:tgtEl>
@@ -4171,14 +4232,59 @@
                                         </p:attrNameLst>
                                       </p:cBhvr>
                                       <p:to>
+                                        <p:strVal val="hidden"/>
+                                      </p:to>
+                                    </p:set>
+                                  </p:childTnLst>
+                                </p:cTn>
+                              </p:par>
+                            </p:childTnLst>
+                          </p:cTn>
+                        </p:par>
+                      </p:childTnLst>
+                    </p:cTn>
+                  </p:par>
+                  <p:par>
+                    <p:cTn id="8" fill="hold">
+                      <p:stCondLst>
+                        <p:cond delay="indefinite"/>
+                      </p:stCondLst>
+                      <p:childTnLst>
+                        <p:par>
+                          <p:cTn id="9" fill="hold">
+                            <p:stCondLst>
+                              <p:cond delay="0"/>
+                            </p:stCondLst>
+                            <p:childTnLst>
+                              <p:par>
+                                <p:cTn id="10" presetID="10" presetClass="entr" presetSubtype="0" fill="hold" grpId="0" nodeType="clickEffect">
+                                  <p:stCondLst>
+                                    <p:cond delay="0"/>
+                                  </p:stCondLst>
+                                  <p:childTnLst>
+                                    <p:set>
+                                      <p:cBhvr>
+                                        <p:cTn id="11" dur="1" fill="hold">
+                                          <p:stCondLst>
+                                            <p:cond delay="0"/>
+                                          </p:stCondLst>
+                                        </p:cTn>
+                                        <p:tgtEl>
+                                          <p:spTgt spid="4"/>
+                                        </p:tgtEl>
+                                        <p:attrNameLst>
+                                          <p:attrName>style.visibility</p:attrName>
+                                        </p:attrNameLst>
+                                      </p:cBhvr>
+                                      <p:to>
                                         <p:strVal val="visible"/>
                                       </p:to>
                                     </p:set>
-                                    <p:animEffect transition="in" filter="wipe(down)">
+                                    <p:animEffect transition="in" filter="fade">
                                       <p:cBhvr>
-                                        <p:cTn id="7" dur="800"/>
+                                        <p:cTn id="12" dur="500"/>
                                         <p:tgtEl>
-                                          <p:spTgt spid="3"/>
+                                          <p:spTgt spid="4"/>
                                         </p:tgtEl>
                                       </p:cBhvr>
                                     </p:animEffect>
@@ -4214,6 +4320,7 @@
     </p:tnLst>
     <p:bldLst>
       <p:bldP spid="3" grpId="0"/>
+      <p:bldP spid="4" grpId="0"/>
     </p:bldLst>
   </p:timing>
 </p:sld>
